--- a/HBaseProject/seminar_slide.pptx
+++ b/HBaseProject/seminar_slide.pptx
@@ -9669,8 +9669,8 @@
         </p:nvSpPr>
         <p:spPr>
           <a:xfrm>
-            <a:off x="7086600" y="4724400"/>
-            <a:ext cx="4800600" cy="1600200"/>
+            <a:off x="9144000" y="5029200"/>
+            <a:ext cx="2743200" cy="1600200"/>
           </a:xfrm>
           <a:prstGeom prst="rect">
             <a:avLst/>
@@ -9915,36 +9915,92 @@
               </a:rPr>
               <a:t>Lâm</a:t>
             </a:r>
+            <a:endParaRPr lang="en-PH" b="1" dirty="0" smtClean="0">
+              <a:latin typeface="Times New Roman" panose="02020603050405020304" pitchFamily="18" charset="0"/>
+              <a:cs typeface="Times New Roman" panose="02020603050405020304" pitchFamily="18" charset="0"/>
+            </a:endParaRPr>
+          </a:p>
+          <a:p>
+            <a:pPr algn="l"/>
             <a:r>
               <a:rPr lang="en-PH" b="1" dirty="0" smtClean="0">
                 <a:latin typeface="Times New Roman" panose="02020603050405020304" pitchFamily="18" charset="0"/>
                 <a:cs typeface="Times New Roman" panose="02020603050405020304" pitchFamily="18" charset="0"/>
               </a:rPr>
-              <a:t> -</a:t>
+              <a:t>          </a:t>
+            </a:r>
+            <a:r>
+              <a:rPr lang="en-PH" b="1" dirty="0" err="1" smtClean="0">
+                <a:latin typeface="Times New Roman" panose="02020603050405020304" pitchFamily="18" charset="0"/>
+                <a:cs typeface="Times New Roman" panose="02020603050405020304" pitchFamily="18" charset="0"/>
+              </a:rPr>
+              <a:t>Đặng</a:t>
+            </a:r>
+            <a:r>
+              <a:rPr lang="en-PH" b="1" dirty="0" smtClean="0">
+                <a:latin typeface="Times New Roman" panose="02020603050405020304" pitchFamily="18" charset="0"/>
+                <a:cs typeface="Times New Roman" panose="02020603050405020304" pitchFamily="18" charset="0"/>
+              </a:rPr>
+              <a:t> </a:t>
+            </a:r>
+            <a:r>
+              <a:rPr lang="en-PH" b="1" dirty="0" err="1" smtClean="0">
+                <a:latin typeface="Times New Roman" panose="02020603050405020304" pitchFamily="18" charset="0"/>
+                <a:cs typeface="Times New Roman" panose="02020603050405020304" pitchFamily="18" charset="0"/>
+              </a:rPr>
+              <a:t>Nhật</a:t>
+            </a:r>
+            <a:r>
+              <a:rPr lang="en-PH" b="1" dirty="0" smtClean="0">
+                <a:latin typeface="Times New Roman" panose="02020603050405020304" pitchFamily="18" charset="0"/>
+                <a:cs typeface="Times New Roman" panose="02020603050405020304" pitchFamily="18" charset="0"/>
+              </a:rPr>
+              <a:t> Minh </a:t>
             </a:r>
           </a:p>
           <a:p>
             <a:pPr algn="l"/>
             <a:r>
-              <a:rPr lang="en-PH" b="1" dirty="0">
+              <a:rPr lang="en-PH" b="1" dirty="0" smtClean="0">
+                <a:latin typeface="Times New Roman" panose="02020603050405020304" pitchFamily="18" charset="0"/>
+                <a:cs typeface="Times New Roman" panose="02020603050405020304" pitchFamily="18" charset="0"/>
+              </a:rPr>
+              <a:t>          </a:t>
+            </a:r>
+            <a:r>
+              <a:rPr lang="en-PH" b="1" dirty="0" err="1" smtClean="0">
+                <a:latin typeface="Times New Roman" panose="02020603050405020304" pitchFamily="18" charset="0"/>
+                <a:cs typeface="Times New Roman" panose="02020603050405020304" pitchFamily="18" charset="0"/>
+              </a:rPr>
+              <a:t>Trương</a:t>
+            </a:r>
+            <a:r>
+              <a:rPr lang="en-PH" b="1" dirty="0" smtClean="0">
                 <a:latin typeface="Times New Roman" panose="02020603050405020304" pitchFamily="18" charset="0"/>
                 <a:cs typeface="Times New Roman" panose="02020603050405020304" pitchFamily="18" charset="0"/>
               </a:rPr>
               <a:t> </a:t>
             </a:r>
             <a:r>
+              <a:rPr lang="en-PH" b="1" dirty="0" err="1" smtClean="0">
+                <a:latin typeface="Times New Roman" panose="02020603050405020304" pitchFamily="18" charset="0"/>
+                <a:cs typeface="Times New Roman" panose="02020603050405020304" pitchFamily="18" charset="0"/>
+              </a:rPr>
+              <a:t>Thế</a:t>
+            </a:r>
+            <a:r>
               <a:rPr lang="en-PH" b="1" dirty="0" smtClean="0">
                 <a:latin typeface="Times New Roman" panose="02020603050405020304" pitchFamily="18" charset="0"/>
                 <a:cs typeface="Times New Roman" panose="02020603050405020304" pitchFamily="18" charset="0"/>
               </a:rPr>
-              <a:t>         </a:t>
+              <a:t> </a:t>
             </a:r>
             <a:r>
               <a:rPr lang="en-PH" b="1" dirty="0" err="1" smtClean="0">
                 <a:latin typeface="Times New Roman" panose="02020603050405020304" pitchFamily="18" charset="0"/>
                 <a:cs typeface="Times New Roman" panose="02020603050405020304" pitchFamily="18" charset="0"/>
               </a:rPr>
-              <a:t>Đặng</a:t>
+              <a:t>Kiệt</a:t>
             </a:r>
             <a:r>
               <a:rPr lang="en-PH" b="1" dirty="0" smtClean="0">
@@ -9953,72 +10009,10 @@
               </a:rPr>
               <a:t> </a:t>
             </a:r>
-            <a:r>
-              <a:rPr lang="en-PH" b="1" dirty="0" err="1" smtClean="0">
-                <a:latin typeface="Times New Roman" panose="02020603050405020304" pitchFamily="18" charset="0"/>
-                <a:cs typeface="Times New Roman" panose="02020603050405020304" pitchFamily="18" charset="0"/>
-              </a:rPr>
-              <a:t>Nhật</a:t>
-            </a:r>
-            <a:r>
-              <a:rPr lang="en-PH" b="1" dirty="0" smtClean="0">
-                <a:latin typeface="Times New Roman" panose="02020603050405020304" pitchFamily="18" charset="0"/>
-                <a:cs typeface="Times New Roman" panose="02020603050405020304" pitchFamily="18" charset="0"/>
-              </a:rPr>
-              <a:t> Minh - </a:t>
-            </a:r>
-          </a:p>
-          <a:p>
-            <a:pPr algn="l"/>
-            <a:r>
-              <a:rPr lang="en-PH" b="1" dirty="0" smtClean="0">
-                <a:latin typeface="Times New Roman" panose="02020603050405020304" pitchFamily="18" charset="0"/>
-                <a:cs typeface="Times New Roman" panose="02020603050405020304" pitchFamily="18" charset="0"/>
-              </a:rPr>
-              <a:t>          </a:t>
-            </a:r>
-            <a:r>
-              <a:rPr lang="en-PH" b="1" dirty="0" err="1" smtClean="0">
-                <a:latin typeface="Times New Roman" panose="02020603050405020304" pitchFamily="18" charset="0"/>
-                <a:cs typeface="Times New Roman" panose="02020603050405020304" pitchFamily="18" charset="0"/>
-              </a:rPr>
-              <a:t>Trương</a:t>
-            </a:r>
-            <a:r>
-              <a:rPr lang="en-PH" b="1" dirty="0" smtClean="0">
-                <a:latin typeface="Times New Roman" panose="02020603050405020304" pitchFamily="18" charset="0"/>
-                <a:cs typeface="Times New Roman" panose="02020603050405020304" pitchFamily="18" charset="0"/>
-              </a:rPr>
-              <a:t> </a:t>
-            </a:r>
-            <a:r>
-              <a:rPr lang="en-PH" b="1" dirty="0" err="1" smtClean="0">
-                <a:latin typeface="Times New Roman" panose="02020603050405020304" pitchFamily="18" charset="0"/>
-                <a:cs typeface="Times New Roman" panose="02020603050405020304" pitchFamily="18" charset="0"/>
-              </a:rPr>
-              <a:t>Thế</a:t>
-            </a:r>
-            <a:r>
-              <a:rPr lang="en-PH" b="1" dirty="0" smtClean="0">
-                <a:latin typeface="Times New Roman" panose="02020603050405020304" pitchFamily="18" charset="0"/>
-                <a:cs typeface="Times New Roman" panose="02020603050405020304" pitchFamily="18" charset="0"/>
-              </a:rPr>
-              <a:t> </a:t>
-            </a:r>
-            <a:r>
-              <a:rPr lang="en-PH" b="1" dirty="0" err="1" smtClean="0">
-                <a:latin typeface="Times New Roman" panose="02020603050405020304" pitchFamily="18" charset="0"/>
-                <a:cs typeface="Times New Roman" panose="02020603050405020304" pitchFamily="18" charset="0"/>
-              </a:rPr>
-              <a:t>Kiệt</a:t>
-            </a:r>
-            <a:r>
-              <a:rPr lang="en-PH" b="1" dirty="0" smtClean="0">
-                <a:latin typeface="Times New Roman" panose="02020603050405020304" pitchFamily="18" charset="0"/>
-                <a:cs typeface="Times New Roman" panose="02020603050405020304" pitchFamily="18" charset="0"/>
-              </a:rPr>
-              <a:t> - </a:t>
-            </a:r>
+            <a:endParaRPr lang="en-PH" b="1" dirty="0" smtClean="0">
+              <a:latin typeface="Times New Roman" panose="02020603050405020304" pitchFamily="18" charset="0"/>
+              <a:cs typeface="Times New Roman" panose="02020603050405020304" pitchFamily="18" charset="0"/>
+            </a:endParaRPr>
           </a:p>
         </p:txBody>
       </p:sp>
@@ -18785,17 +18779,7 @@
                 <a:latin typeface="Times New Roman" panose="02020603050405020304" pitchFamily="18" charset="0"/>
                 <a:cs typeface="Times New Roman" panose="02020603050405020304" pitchFamily="18" charset="0"/>
               </a:rPr>
-              <a:t> </a:t>
-            </a:r>
-            <a:r>
-              <a:rPr lang="vi-VN" sz="2800" b="1" u="sng" dirty="0" smtClean="0">
-                <a:solidFill>
-                  <a:schemeClr val="bg1"/>
-                </a:solidFill>
-                <a:latin typeface="Times New Roman" panose="02020603050405020304" pitchFamily="18" charset="0"/>
-                <a:cs typeface="Times New Roman" panose="02020603050405020304" pitchFamily="18" charset="0"/>
-              </a:rPr>
-              <a:t>điểm</a:t>
+              <a:t> điểm</a:t>
             </a:r>
           </a:p>
           <a:p>
@@ -19795,6 +19779,8 @@
               </a:rPr>
               <a:t>Distributed</a:t>
             </a:r>
+          </a:p>
+          <a:p>
             <a:endParaRPr lang="en-US" sz="2400" b="1" dirty="0" smtClean="0">
               <a:solidFill>
                 <a:schemeClr val="bg1"/>
@@ -19804,6 +19790,22 @@
             </a:endParaRPr>
           </a:p>
           <a:p>
+            <a:pPr marL="285750" indent="-285750">
+              <a:buFont typeface="Arial" panose="020B0604020202020204" pitchFamily="34" charset="0"/>
+              <a:buChar char="•"/>
+            </a:pPr>
+            <a:r>
+              <a:rPr lang="en-US" sz="2400" b="1" dirty="0" smtClean="0">
+                <a:solidFill>
+                  <a:schemeClr val="bg1"/>
+                </a:solidFill>
+                <a:latin typeface="Times New Roman" panose="02020603050405020304" pitchFamily="18" charset="0"/>
+                <a:cs typeface="Times New Roman" panose="02020603050405020304" pitchFamily="18" charset="0"/>
+              </a:rPr>
+              <a:t>Flexible Data</a:t>
+            </a:r>
+          </a:p>
+          <a:p>
             <a:endParaRPr lang="en-US" sz="2400" b="1" dirty="0" smtClean="0">
               <a:solidFill>
                 <a:schemeClr val="bg1"/>
@@ -19825,8 +19827,10 @@
                 <a:latin typeface="Times New Roman" panose="02020603050405020304" pitchFamily="18" charset="0"/>
                 <a:cs typeface="Times New Roman" panose="02020603050405020304" pitchFamily="18" charset="0"/>
               </a:rPr>
-              <a:t>Flexible Data</a:t>
-            </a:r>
+              <a:t>Non-Relational</a:t>
+            </a:r>
+          </a:p>
+          <a:p>
             <a:endParaRPr lang="en-US" sz="2400" b="1" dirty="0" smtClean="0">
               <a:solidFill>
                 <a:schemeClr val="bg1"/>
@@ -19836,6 +19840,42 @@
             </a:endParaRPr>
           </a:p>
           <a:p>
+            <a:pPr marL="285750" indent="-285750">
+              <a:buFont typeface="Arial" panose="020B0604020202020204" pitchFamily="34" charset="0"/>
+              <a:buChar char="•"/>
+            </a:pPr>
+            <a:r>
+              <a:rPr lang="en-US" sz="2400" b="1" dirty="0" smtClean="0">
+                <a:solidFill>
+                  <a:schemeClr val="bg1"/>
+                </a:solidFill>
+                <a:latin typeface="Times New Roman" panose="02020603050405020304" pitchFamily="18" charset="0"/>
+                <a:cs typeface="Times New Roman" panose="02020603050405020304" pitchFamily="18" charset="0"/>
+              </a:rPr>
+              <a:t>Big </a:t>
+            </a:r>
+            <a:r>
+              <a:rPr lang="en-US" sz="2400" b="1" dirty="0">
+                <a:solidFill>
+                  <a:schemeClr val="bg1"/>
+                </a:solidFill>
+                <a:latin typeface="Times New Roman" panose="02020603050405020304" pitchFamily="18" charset="0"/>
+                <a:cs typeface="Times New Roman" panose="02020603050405020304" pitchFamily="18" charset="0"/>
+              </a:rPr>
+              <a:t>data </a:t>
+            </a:r>
+            <a:r>
+              <a:rPr lang="en-US" sz="2400" b="1" dirty="0" smtClean="0">
+                <a:solidFill>
+                  <a:schemeClr val="bg1"/>
+                </a:solidFill>
+                <a:latin typeface="Times New Roman" panose="02020603050405020304" pitchFamily="18" charset="0"/>
+                <a:cs typeface="Times New Roman" panose="02020603050405020304" pitchFamily="18" charset="0"/>
+              </a:rPr>
+              <a:t>storage</a:t>
+            </a:r>
+          </a:p>
+          <a:p>
             <a:endParaRPr lang="en-US" sz="2400" b="1" dirty="0" smtClean="0">
               <a:solidFill>
                 <a:schemeClr val="bg1"/>
@@ -19857,99 +19897,8 @@
                 <a:latin typeface="Times New Roman" panose="02020603050405020304" pitchFamily="18" charset="0"/>
                 <a:cs typeface="Times New Roman" panose="02020603050405020304" pitchFamily="18" charset="0"/>
               </a:rPr>
-              <a:t>Non-Relational</a:t>
-            </a:r>
-            <a:endParaRPr lang="en-US" sz="2400" b="1" dirty="0" smtClean="0">
-              <a:solidFill>
-                <a:schemeClr val="bg1"/>
-              </a:solidFill>
-              <a:latin typeface="Times New Roman" panose="02020603050405020304" pitchFamily="18" charset="0"/>
-              <a:cs typeface="Times New Roman" panose="02020603050405020304" pitchFamily="18" charset="0"/>
-            </a:endParaRPr>
-          </a:p>
-          <a:p>
-            <a:endParaRPr lang="en-US" sz="2400" b="1" dirty="0" smtClean="0">
-              <a:solidFill>
-                <a:schemeClr val="bg1"/>
-              </a:solidFill>
-              <a:latin typeface="Times New Roman" panose="02020603050405020304" pitchFamily="18" charset="0"/>
-              <a:cs typeface="Times New Roman" panose="02020603050405020304" pitchFamily="18" charset="0"/>
-            </a:endParaRPr>
-          </a:p>
-          <a:p>
-            <a:pPr marL="285750" indent="-285750">
-              <a:buFont typeface="Arial" panose="020B0604020202020204" pitchFamily="34" charset="0"/>
-              <a:buChar char="•"/>
-            </a:pPr>
-            <a:r>
-              <a:rPr lang="en-US" sz="2400" b="1" dirty="0" smtClean="0">
-                <a:solidFill>
-                  <a:schemeClr val="bg1"/>
-                </a:solidFill>
-                <a:latin typeface="Times New Roman" panose="02020603050405020304" pitchFamily="18" charset="0"/>
-                <a:cs typeface="Times New Roman" panose="02020603050405020304" pitchFamily="18" charset="0"/>
-              </a:rPr>
-              <a:t>Big </a:t>
-            </a:r>
-            <a:r>
-              <a:rPr lang="en-US" sz="2400" b="1" dirty="0">
-                <a:solidFill>
-                  <a:schemeClr val="bg1"/>
-                </a:solidFill>
-                <a:latin typeface="Times New Roman" panose="02020603050405020304" pitchFamily="18" charset="0"/>
-                <a:cs typeface="Times New Roman" panose="02020603050405020304" pitchFamily="18" charset="0"/>
-              </a:rPr>
-              <a:t>data </a:t>
-            </a:r>
-            <a:r>
-              <a:rPr lang="en-US" sz="2400" b="1" dirty="0" smtClean="0">
-                <a:solidFill>
-                  <a:schemeClr val="bg1"/>
-                </a:solidFill>
-                <a:latin typeface="Times New Roman" panose="02020603050405020304" pitchFamily="18" charset="0"/>
-                <a:cs typeface="Times New Roman" panose="02020603050405020304" pitchFamily="18" charset="0"/>
-              </a:rPr>
-              <a:t>storage</a:t>
-            </a:r>
-            <a:endParaRPr lang="en-US" sz="2400" b="1" dirty="0" smtClean="0">
-              <a:solidFill>
-                <a:schemeClr val="bg1"/>
-              </a:solidFill>
-              <a:latin typeface="Times New Roman" panose="02020603050405020304" pitchFamily="18" charset="0"/>
-              <a:cs typeface="Times New Roman" panose="02020603050405020304" pitchFamily="18" charset="0"/>
-            </a:endParaRPr>
-          </a:p>
-          <a:p>
-            <a:endParaRPr lang="en-US" sz="2400" b="1" dirty="0" smtClean="0">
-              <a:solidFill>
-                <a:schemeClr val="bg1"/>
-              </a:solidFill>
-              <a:latin typeface="Times New Roman" panose="02020603050405020304" pitchFamily="18" charset="0"/>
-              <a:cs typeface="Times New Roman" panose="02020603050405020304" pitchFamily="18" charset="0"/>
-            </a:endParaRPr>
-          </a:p>
-          <a:p>
-            <a:pPr marL="285750" indent="-285750">
-              <a:buFont typeface="Arial" panose="020B0604020202020204" pitchFamily="34" charset="0"/>
-              <a:buChar char="•"/>
-            </a:pPr>
-            <a:r>
-              <a:rPr lang="en-US" sz="2400" b="1" dirty="0" smtClean="0">
-                <a:solidFill>
-                  <a:schemeClr val="bg1"/>
-                </a:solidFill>
-                <a:latin typeface="Times New Roman" panose="02020603050405020304" pitchFamily="18" charset="0"/>
-                <a:cs typeface="Times New Roman" panose="02020603050405020304" pitchFamily="18" charset="0"/>
-              </a:rPr>
               <a:t>Scalable</a:t>
             </a:r>
-            <a:endParaRPr lang="en-US" sz="2400" b="1" dirty="0" smtClean="0">
-              <a:solidFill>
-                <a:schemeClr val="bg1"/>
-              </a:solidFill>
-              <a:latin typeface="Times New Roman" panose="02020603050405020304" pitchFamily="18" charset="0"/>
-              <a:cs typeface="Times New Roman" panose="02020603050405020304" pitchFamily="18" charset="0"/>
-            </a:endParaRPr>
           </a:p>
         </p:txBody>
       </p:sp>
